--- a/javascript/closures/JavaScript Closures.pptx
+++ b/javascript/closures/JavaScript Closures.pptx
@@ -8730,7 +8730,9 @@
         </p:nvSpPr>
         <p:spPr/>
         <p:txBody>
-          <a:bodyPr/>
+          <a:bodyPr>
+            <a:normAutofit fontScale="92500" lnSpcReduction="20000"/>
+          </a:bodyPr>
           <a:lstStyle/>
           <a:p>
             <a:r>
@@ -8781,38 +8783,46 @@
             </a:r>
           </a:p>
           <a:p>
+            <a:pPr lvl="2"/>
+            <a:r>
+              <a:rPr lang="en-US" dirty="0" smtClean="0"/>
+              <a:t>There is an enter function which sets the value</a:t>
+            </a:r>
+          </a:p>
+          <a:p>
             <a:pPr lvl="1"/>
             <a:r>
               <a:rPr lang="en-US" dirty="0" smtClean="0"/>
-              <a:t>Extra Credit</a:t>
+              <a:t>Also, you are only allowed to use addition and subtraction</a:t>
             </a:r>
           </a:p>
           <a:p>
             <a:pPr lvl="2"/>
             <a:r>
               <a:rPr lang="en-US" dirty="0" smtClean="0"/>
-              <a:t>Write functions for Pi, Square, Square Root, and Reciprocal</a:t>
+              <a:t>That means you need to write a multiply and divide function that uses addition and subtraction</a:t>
             </a:r>
           </a:p>
           <a:p>
             <a:pPr lvl="2"/>
             <a:r>
               <a:rPr lang="en-US" dirty="0" smtClean="0"/>
-              <a:t>Hint: JavaScript has lots of </a:t>
-            </a:r>
-            <a:r>
-              <a:rPr lang="en-US" dirty="0" err="1" smtClean="0"/>
-              <a:t>m</a:t>
-            </a:r>
-            <a:r>
-              <a:rPr lang="en-US" dirty="0" err="1" smtClean="0"/>
-              <a:t>athy</a:t>
-            </a:r>
-            <a:r>
-              <a:rPr lang="en-US" dirty="0" smtClean="0"/>
-              <a:t> things in the Math Object</a:t>
-            </a:r>
-            <a:endParaRPr lang="en-US" dirty="0"/>
+              <a:t>Only worry about whole numbers</a:t>
+            </a:r>
+          </a:p>
+          <a:p>
+            <a:pPr lvl="2"/>
+            <a:r>
+              <a:rPr lang="en-US" dirty="0" smtClean="0"/>
+              <a:t>Division results should be displayed with a remainder</a:t>
+            </a:r>
+          </a:p>
+          <a:p>
+            <a:pPr lvl="3"/>
+            <a:r>
+              <a:rPr lang="en-US" dirty="0" smtClean="0"/>
+              <a:t>21 / 5 = 4 R 1</a:t>
+            </a:r>
           </a:p>
         </p:txBody>
       </p:sp>
